--- a/code/05_regress.pptx
+++ b/code/05_regress.pptx
@@ -8,6 +8,7 @@
     <p:sldId id="263" r:id="rId2"/>
     <p:sldId id="265" r:id="rId3"/>
     <p:sldId id="266" r:id="rId4"/>
+    <p:sldId id="268" r:id="rId5"/>
   </p:sldIdLst>
   <p:sldSz cx="12192000" cy="6858000"/>
   <p:notesSz cx="6858000" cy="9144000"/>
@@ -3763,6 +3764,113 @@
 </p:sld>
 </file>
 
+<file path=ppt/slides/slide4.xml><?xml version="1.0" encoding="utf-8"?>
+<p:sld xmlns:a="http://schemas.openxmlformats.org/drawingml/2006/main" xmlns:r="http://schemas.openxmlformats.org/officeDocument/2006/relationships" xmlns:p="http://schemas.openxmlformats.org/presentationml/2006/main">
+  <p:cSld>
+    <p:spTree>
+      <p:nvGrpSpPr>
+        <p:cNvPr id="1" name=""/>
+        <p:cNvGrpSpPr/>
+        <p:nvPr/>
+      </p:nvGrpSpPr>
+      <p:grpSpPr>
+        <a:xfrm>
+          <a:off x="0" y="0"/>
+          <a:ext cx="0" cy="0"/>
+          <a:chOff x="0" y="0"/>
+          <a:chExt cx="0" cy="0"/>
+        </a:xfrm>
+      </p:grpSpPr>
+      <p:sp>
+        <p:nvSpPr>
+          <p:cNvPr id="2" name="Title 1">
+            <a:extLst>
+              <a:ext uri="{FF2B5EF4-FFF2-40B4-BE49-F238E27FC236}">
+                <a16:creationId xmlns:a16="http://schemas.microsoft.com/office/drawing/2014/main" id="{AC896249-95E2-E90F-04CC-E37740F99E61}"/>
+              </a:ext>
+            </a:extLst>
+          </p:cNvPr>
+          <p:cNvSpPr>
+            <a:spLocks noGrp="1"/>
+          </p:cNvSpPr>
+          <p:nvPr>
+            <p:ph type="title"/>
+          </p:nvPr>
+        </p:nvSpPr>
+        <p:spPr/>
+        <p:txBody>
+          <a:bodyPr/>
+          <a:lstStyle/>
+          <a:p>
+            <a:r>
+              <a:rPr lang="en-US" dirty="0"/>
+              <a:t>Formats supported by R packages for tables</a:t>
+            </a:r>
+          </a:p>
+        </p:txBody>
+      </p:sp>
+      <p:pic>
+        <p:nvPicPr>
+          <p:cNvPr id="1026" name="Picture 2">
+            <a:extLst>
+              <a:ext uri="{FF2B5EF4-FFF2-40B4-BE49-F238E27FC236}">
+                <a16:creationId xmlns:a16="http://schemas.microsoft.com/office/drawing/2014/main" id="{8B33DF1F-DE66-D871-0F11-3C842B828020}"/>
+              </a:ext>
+            </a:extLst>
+          </p:cNvPr>
+          <p:cNvPicPr>
+            <a:picLocks noGrp="1" noChangeAspect="1" noChangeArrowheads="1"/>
+          </p:cNvPicPr>
+          <p:nvPr>
+            <p:ph idx="1"/>
+          </p:nvPr>
+        </p:nvPicPr>
+        <p:blipFill>
+          <a:blip r:embed="rId2">
+            <a:extLst>
+              <a:ext uri="{28A0092B-C50C-407E-A947-70E740481C1C}">
+                <a14:useLocalDpi xmlns:a14="http://schemas.microsoft.com/office/drawing/2010/main" val="0"/>
+              </a:ext>
+            </a:extLst>
+          </a:blip>
+          <a:srcRect/>
+          <a:stretch>
+            <a:fillRect/>
+          </a:stretch>
+        </p:blipFill>
+        <p:spPr bwMode="auto">
+          <a:xfrm>
+            <a:off x="2788035" y="1825625"/>
+            <a:ext cx="6615930" cy="4351338"/>
+          </a:xfrm>
+          <a:prstGeom prst="rect">
+            <a:avLst/>
+          </a:prstGeom>
+          <a:noFill/>
+          <a:extLst>
+            <a:ext uri="{909E8E84-426E-40DD-AFC4-6F175D3DCCD1}">
+              <a14:hiddenFill xmlns:a14="http://schemas.microsoft.com/office/drawing/2010/main">
+                <a:solidFill>
+                  <a:srgbClr val="FFFFFF"/>
+                </a:solidFill>
+              </a14:hiddenFill>
+            </a:ext>
+          </a:extLst>
+        </p:spPr>
+      </p:pic>
+    </p:spTree>
+    <p:extLst>
+      <p:ext uri="{BB962C8B-B14F-4D97-AF65-F5344CB8AC3E}">
+        <p14:creationId xmlns:p14="http://schemas.microsoft.com/office/powerpoint/2010/main" val="3787537836"/>
+      </p:ext>
+    </p:extLst>
+  </p:cSld>
+  <p:clrMapOvr>
+    <a:masterClrMapping/>
+  </p:clrMapOvr>
+</p:sld>
+</file>
+
 <file path=ppt/theme/theme1.xml><?xml version="1.0" encoding="utf-8"?>
 <a:theme xmlns:a="http://schemas.openxmlformats.org/drawingml/2006/main" name="Office Theme">
   <a:themeElements>

--- a/code/05_regress.pptx
+++ b/code/05_regress.pptx
@@ -8,7 +8,6 @@
     <p:sldId id="263" r:id="rId2"/>
     <p:sldId id="265" r:id="rId3"/>
     <p:sldId id="266" r:id="rId4"/>
-    <p:sldId id="268" r:id="rId5"/>
   </p:sldIdLst>
   <p:sldSz cx="12192000" cy="6858000"/>
   <p:notesSz cx="6858000" cy="9144000"/>
@@ -280,7 +279,7 @@
           <a:p>
             <a:fld id="{5FCDCD17-B0B1-A244-9BB5-D7228F76BED7}" type="datetime3">
               <a:rPr lang="en-SG" smtClean="0"/>
-              <a:t>9 April 2023</a:t>
+              <a:t>13 April 2023</a:t>
             </a:fld>
             <a:endParaRPr lang="en-US" dirty="0"/>
           </a:p>
@@ -495,7 +494,7 @@
           <a:p>
             <a:fld id="{ADD28603-00EC-3A4D-B44A-BEF0A0F382C6}" type="datetime3">
               <a:rPr lang="en-SG" smtClean="0"/>
-              <a:t>9 April 2023</a:t>
+              <a:t>13 April 2023</a:t>
             </a:fld>
             <a:endParaRPr lang="en-US"/>
           </a:p>
@@ -826,7 +825,7 @@
           <a:p>
             <a:fld id="{E6645DC1-DD2E-5147-813A-145518F6A88E}" type="datetime3">
               <a:rPr lang="en-SG" smtClean="0"/>
-              <a:t>9 April 2023</a:t>
+              <a:t>13 April 2023</a:t>
             </a:fld>
             <a:endParaRPr lang="en-US"/>
           </a:p>
@@ -1127,7 +1126,7 @@
           <a:p>
             <a:fld id="{9CE5D27D-0906-C849-85EF-1698976BF415}" type="datetime3">
               <a:rPr lang="en-SG" smtClean="0"/>
-              <a:t>9 April 2023</a:t>
+              <a:t>13 April 2023</a:t>
             </a:fld>
             <a:endParaRPr lang="en-US"/>
           </a:p>
@@ -1582,7 +1581,7 @@
           <a:p>
             <a:fld id="{B644A007-AED7-CC4E-A6C9-9429041AE4C9}" type="datetime3">
               <a:rPr lang="en-SG" smtClean="0"/>
-              <a:t>9 April 2023</a:t>
+              <a:t>13 April 2023</a:t>
             </a:fld>
             <a:endParaRPr lang="en-US"/>
           </a:p>
@@ -1814,7 +1813,7 @@
           <a:p>
             <a:fld id="{06911E40-0033-E74E-A93D-D0B3F4840C2B}" type="datetime3">
               <a:rPr lang="en-SG" smtClean="0"/>
-              <a:t>9 April 2023</a:t>
+              <a:t>13 April 2023</a:t>
             </a:fld>
             <a:endParaRPr lang="en-US"/>
           </a:p>
@@ -1957,7 +1956,7 @@
           <a:p>
             <a:fld id="{FDD5ADF8-FB30-A140-BC76-B82B3346A618}" type="datetime3">
               <a:rPr lang="en-SG" smtClean="0"/>
-              <a:t>9 April 2023</a:t>
+              <a:t>13 April 2023</a:t>
             </a:fld>
             <a:endParaRPr lang="en-US"/>
           </a:p>
@@ -2300,7 +2299,7 @@
           <a:p>
             <a:fld id="{2EF13291-2998-1E45-BB6C-14491E304C83}" type="datetime3">
               <a:rPr lang="en-SG" smtClean="0"/>
-              <a:t>9 April 2023</a:t>
+              <a:t>13 April 2023</a:t>
             </a:fld>
             <a:endParaRPr lang="en-US"/>
           </a:p>
@@ -2619,7 +2618,7 @@
           <a:p>
             <a:fld id="{7BDC71DE-80FC-B640-A19E-6715081E17F0}" type="datetime3">
               <a:rPr lang="en-SG" smtClean="0"/>
-              <a:t>9 April 2023</a:t>
+              <a:t>13 April 2023</a:t>
             </a:fld>
             <a:endParaRPr lang="en-US"/>
           </a:p>
@@ -2898,7 +2897,7 @@
             <a:fld id="{39E2CDA4-D7DD-D048-900A-DFEB5E81218B}" type="datetime3">
               <a:rPr lang="en-SG" smtClean="0"/>
               <a:pPr/>
-              <a:t>9 April 2023</a:t>
+              <a:t>13 April 2023</a:t>
             </a:fld>
             <a:endParaRPr lang="en-US" dirty="0"/>
           </a:p>
@@ -3764,113 +3763,6 @@
 </p:sld>
 </file>
 
-<file path=ppt/slides/slide4.xml><?xml version="1.0" encoding="utf-8"?>
-<p:sld xmlns:a="http://schemas.openxmlformats.org/drawingml/2006/main" xmlns:r="http://schemas.openxmlformats.org/officeDocument/2006/relationships" xmlns:p="http://schemas.openxmlformats.org/presentationml/2006/main">
-  <p:cSld>
-    <p:spTree>
-      <p:nvGrpSpPr>
-        <p:cNvPr id="1" name=""/>
-        <p:cNvGrpSpPr/>
-        <p:nvPr/>
-      </p:nvGrpSpPr>
-      <p:grpSpPr>
-        <a:xfrm>
-          <a:off x="0" y="0"/>
-          <a:ext cx="0" cy="0"/>
-          <a:chOff x="0" y="0"/>
-          <a:chExt cx="0" cy="0"/>
-        </a:xfrm>
-      </p:grpSpPr>
-      <p:sp>
-        <p:nvSpPr>
-          <p:cNvPr id="2" name="Title 1">
-            <a:extLst>
-              <a:ext uri="{FF2B5EF4-FFF2-40B4-BE49-F238E27FC236}">
-                <a16:creationId xmlns:a16="http://schemas.microsoft.com/office/drawing/2014/main" id="{AC896249-95E2-E90F-04CC-E37740F99E61}"/>
-              </a:ext>
-            </a:extLst>
-          </p:cNvPr>
-          <p:cNvSpPr>
-            <a:spLocks noGrp="1"/>
-          </p:cNvSpPr>
-          <p:nvPr>
-            <p:ph type="title"/>
-          </p:nvPr>
-        </p:nvSpPr>
-        <p:spPr/>
-        <p:txBody>
-          <a:bodyPr/>
-          <a:lstStyle/>
-          <a:p>
-            <a:r>
-              <a:rPr lang="en-US" dirty="0"/>
-              <a:t>Formats supported by R packages for tables</a:t>
-            </a:r>
-          </a:p>
-        </p:txBody>
-      </p:sp>
-      <p:pic>
-        <p:nvPicPr>
-          <p:cNvPr id="1026" name="Picture 2">
-            <a:extLst>
-              <a:ext uri="{FF2B5EF4-FFF2-40B4-BE49-F238E27FC236}">
-                <a16:creationId xmlns:a16="http://schemas.microsoft.com/office/drawing/2014/main" id="{8B33DF1F-DE66-D871-0F11-3C842B828020}"/>
-              </a:ext>
-            </a:extLst>
-          </p:cNvPr>
-          <p:cNvPicPr>
-            <a:picLocks noGrp="1" noChangeAspect="1" noChangeArrowheads="1"/>
-          </p:cNvPicPr>
-          <p:nvPr>
-            <p:ph idx="1"/>
-          </p:nvPr>
-        </p:nvPicPr>
-        <p:blipFill>
-          <a:blip r:embed="rId2">
-            <a:extLst>
-              <a:ext uri="{28A0092B-C50C-407E-A947-70E740481C1C}">
-                <a14:useLocalDpi xmlns:a14="http://schemas.microsoft.com/office/drawing/2010/main" val="0"/>
-              </a:ext>
-            </a:extLst>
-          </a:blip>
-          <a:srcRect/>
-          <a:stretch>
-            <a:fillRect/>
-          </a:stretch>
-        </p:blipFill>
-        <p:spPr bwMode="auto">
-          <a:xfrm>
-            <a:off x="2788035" y="1825625"/>
-            <a:ext cx="6615930" cy="4351338"/>
-          </a:xfrm>
-          <a:prstGeom prst="rect">
-            <a:avLst/>
-          </a:prstGeom>
-          <a:noFill/>
-          <a:extLst>
-            <a:ext uri="{909E8E84-426E-40DD-AFC4-6F175D3DCCD1}">
-              <a14:hiddenFill xmlns:a14="http://schemas.microsoft.com/office/drawing/2010/main">
-                <a:solidFill>
-                  <a:srgbClr val="FFFFFF"/>
-                </a:solidFill>
-              </a14:hiddenFill>
-            </a:ext>
-          </a:extLst>
-        </p:spPr>
-      </p:pic>
-    </p:spTree>
-    <p:extLst>
-      <p:ext uri="{BB962C8B-B14F-4D97-AF65-F5344CB8AC3E}">
-        <p14:creationId xmlns:p14="http://schemas.microsoft.com/office/powerpoint/2010/main" val="3787537836"/>
-      </p:ext>
-    </p:extLst>
-  </p:cSld>
-  <p:clrMapOvr>
-    <a:masterClrMapping/>
-  </p:clrMapOvr>
-</p:sld>
-</file>
-
 <file path=ppt/theme/theme1.xml><?xml version="1.0" encoding="utf-8"?>
 <a:theme xmlns:a="http://schemas.openxmlformats.org/drawingml/2006/main" name="Office Theme">
   <a:themeElements>

--- a/code/05_regress.pptx
+++ b/code/05_regress.pptx
@@ -8,6 +8,7 @@
     <p:sldId id="263" r:id="rId2"/>
     <p:sldId id="265" r:id="rId3"/>
     <p:sldId id="266" r:id="rId4"/>
+    <p:sldId id="267" r:id="rId5"/>
   </p:sldIdLst>
   <p:sldSz cx="12192000" cy="6858000"/>
   <p:notesSz cx="6858000" cy="9144000"/>
@@ -279,7 +280,7 @@
           <a:p>
             <a:fld id="{5FCDCD17-B0B1-A244-9BB5-D7228F76BED7}" type="datetime3">
               <a:rPr lang="en-SG" smtClean="0"/>
-              <a:t>13 April 2023</a:t>
+              <a:t>14 April 2023</a:t>
             </a:fld>
             <a:endParaRPr lang="en-US" dirty="0"/>
           </a:p>
@@ -494,7 +495,7 @@
           <a:p>
             <a:fld id="{ADD28603-00EC-3A4D-B44A-BEF0A0F382C6}" type="datetime3">
               <a:rPr lang="en-SG" smtClean="0"/>
-              <a:t>13 April 2023</a:t>
+              <a:t>14 April 2023</a:t>
             </a:fld>
             <a:endParaRPr lang="en-US"/>
           </a:p>
@@ -825,7 +826,7 @@
           <a:p>
             <a:fld id="{E6645DC1-DD2E-5147-813A-145518F6A88E}" type="datetime3">
               <a:rPr lang="en-SG" smtClean="0"/>
-              <a:t>13 April 2023</a:t>
+              <a:t>14 April 2023</a:t>
             </a:fld>
             <a:endParaRPr lang="en-US"/>
           </a:p>
@@ -1126,7 +1127,7 @@
           <a:p>
             <a:fld id="{9CE5D27D-0906-C849-85EF-1698976BF415}" type="datetime3">
               <a:rPr lang="en-SG" smtClean="0"/>
-              <a:t>13 April 2023</a:t>
+              <a:t>14 April 2023</a:t>
             </a:fld>
             <a:endParaRPr lang="en-US"/>
           </a:p>
@@ -1581,7 +1582,7 @@
           <a:p>
             <a:fld id="{B644A007-AED7-CC4E-A6C9-9429041AE4C9}" type="datetime3">
               <a:rPr lang="en-SG" smtClean="0"/>
-              <a:t>13 April 2023</a:t>
+              <a:t>14 April 2023</a:t>
             </a:fld>
             <a:endParaRPr lang="en-US"/>
           </a:p>
@@ -1813,7 +1814,7 @@
           <a:p>
             <a:fld id="{06911E40-0033-E74E-A93D-D0B3F4840C2B}" type="datetime3">
               <a:rPr lang="en-SG" smtClean="0"/>
-              <a:t>13 April 2023</a:t>
+              <a:t>14 April 2023</a:t>
             </a:fld>
             <a:endParaRPr lang="en-US"/>
           </a:p>
@@ -1956,7 +1957,7 @@
           <a:p>
             <a:fld id="{FDD5ADF8-FB30-A140-BC76-B82B3346A618}" type="datetime3">
               <a:rPr lang="en-SG" smtClean="0"/>
-              <a:t>13 April 2023</a:t>
+              <a:t>14 April 2023</a:t>
             </a:fld>
             <a:endParaRPr lang="en-US"/>
           </a:p>
@@ -2299,7 +2300,7 @@
           <a:p>
             <a:fld id="{2EF13291-2998-1E45-BB6C-14491E304C83}" type="datetime3">
               <a:rPr lang="en-SG" smtClean="0"/>
-              <a:t>13 April 2023</a:t>
+              <a:t>14 April 2023</a:t>
             </a:fld>
             <a:endParaRPr lang="en-US"/>
           </a:p>
@@ -2618,7 +2619,7 @@
           <a:p>
             <a:fld id="{7BDC71DE-80FC-B640-A19E-6715081E17F0}" type="datetime3">
               <a:rPr lang="en-SG" smtClean="0"/>
-              <a:t>13 April 2023</a:t>
+              <a:t>14 April 2023</a:t>
             </a:fld>
             <a:endParaRPr lang="en-US"/>
           </a:p>
@@ -2897,7 +2898,7 @@
             <a:fld id="{39E2CDA4-D7DD-D048-900A-DFEB5E81218B}" type="datetime3">
               <a:rPr lang="en-SG" smtClean="0"/>
               <a:pPr/>
-              <a:t>13 April 2023</a:t>
+              <a:t>14 April 2023</a:t>
             </a:fld>
             <a:endParaRPr lang="en-US" dirty="0"/>
           </a:p>
@@ -3763,6 +3764,128 @@
 </p:sld>
 </file>
 
+<file path=ppt/slides/slide4.xml><?xml version="1.0" encoding="utf-8"?>
+<p:sld xmlns:a="http://schemas.openxmlformats.org/drawingml/2006/main" xmlns:r="http://schemas.openxmlformats.org/officeDocument/2006/relationships" xmlns:p="http://schemas.openxmlformats.org/presentationml/2006/main">
+  <p:cSld>
+    <p:spTree>
+      <p:nvGrpSpPr>
+        <p:cNvPr id="1" name=""/>
+        <p:cNvGrpSpPr/>
+        <p:nvPr/>
+      </p:nvGrpSpPr>
+      <p:grpSpPr>
+        <a:xfrm>
+          <a:off x="0" y="0"/>
+          <a:ext cx="0" cy="0"/>
+          <a:chOff x="0" y="0"/>
+          <a:chExt cx="0" cy="0"/>
+        </a:xfrm>
+      </p:grpSpPr>
+      <p:sp>
+        <p:nvSpPr>
+          <p:cNvPr id="2" name="Title 1">
+            <a:extLst>
+              <a:ext uri="{FF2B5EF4-FFF2-40B4-BE49-F238E27FC236}">
+                <a16:creationId xmlns:a16="http://schemas.microsoft.com/office/drawing/2014/main" id="{42B221F8-F524-D4D1-5A9F-66966E20EF65}"/>
+              </a:ext>
+            </a:extLst>
+          </p:cNvPr>
+          <p:cNvSpPr>
+            <a:spLocks noGrp="1"/>
+          </p:cNvSpPr>
+          <p:nvPr>
+            <p:ph type="title"/>
+          </p:nvPr>
+        </p:nvSpPr>
+        <p:spPr/>
+        <p:txBody>
+          <a:bodyPr/>
+          <a:lstStyle/>
+          <a:p>
+            <a:r>
+              <a:rPr lang="en-US" dirty="0"/>
+              <a:t>Dataset</a:t>
+            </a:r>
+          </a:p>
+        </p:txBody>
+      </p:sp>
+      <p:sp>
+        <p:nvSpPr>
+          <p:cNvPr id="3" name="Content Placeholder 2">
+            <a:extLst>
+              <a:ext uri="{FF2B5EF4-FFF2-40B4-BE49-F238E27FC236}">
+                <a16:creationId xmlns:a16="http://schemas.microsoft.com/office/drawing/2014/main" id="{E941D2C1-9ED0-4A4F-B827-AD132CC430E0}"/>
+              </a:ext>
+            </a:extLst>
+          </p:cNvPr>
+          <p:cNvSpPr>
+            <a:spLocks noGrp="1"/>
+          </p:cNvSpPr>
+          <p:nvPr>
+            <p:ph idx="1"/>
+          </p:nvPr>
+        </p:nvSpPr>
+        <p:spPr/>
+        <p:txBody>
+          <a:bodyPr/>
+          <a:lstStyle/>
+          <a:p>
+            <a:r>
+              <a:rPr lang="en-US" dirty="0"/>
+              <a:t>Ignore survey weight for the purpose of this workshop</a:t>
+            </a:r>
+          </a:p>
+          <a:p>
+            <a:r>
+              <a:rPr lang="en-US" dirty="0"/>
+              <a:t>Outcome variable: </a:t>
+            </a:r>
+            <a:r>
+              <a:rPr lang="en-US" dirty="0" err="1"/>
+              <a:t>tetanus_vacc</a:t>
+            </a:r>
+            <a:endParaRPr lang="en-US" dirty="0"/>
+          </a:p>
+          <a:p>
+            <a:r>
+              <a:rPr lang="en-US" dirty="0"/>
+              <a:t>Logistic regression</a:t>
+            </a:r>
+          </a:p>
+          <a:p>
+            <a:pPr lvl="1"/>
+            <a:r>
+              <a:rPr lang="en-US" dirty="0"/>
+              <a:t>Model log odds of the tetanus vaccination events</a:t>
+            </a:r>
+          </a:p>
+          <a:p>
+            <a:pPr lvl="1"/>
+            <a:r>
+              <a:rPr lang="en-US" dirty="0"/>
+              <a:t>Exponentiate to obtain Odds Ratio </a:t>
+            </a:r>
+            <a:r>
+              <a:rPr lang="en-US"/>
+              <a:t>for interpretation</a:t>
+            </a:r>
+            <a:endParaRPr lang="en-US" dirty="0"/>
+          </a:p>
+        </p:txBody>
+      </p:sp>
+    </p:spTree>
+    <p:extLst>
+      <p:ext uri="{BB962C8B-B14F-4D97-AF65-F5344CB8AC3E}">
+        <p14:creationId xmlns:p14="http://schemas.microsoft.com/office/powerpoint/2010/main" val="1154564140"/>
+      </p:ext>
+    </p:extLst>
+  </p:cSld>
+  <p:clrMapOvr>
+    <a:masterClrMapping/>
+  </p:clrMapOvr>
+</p:sld>
+</file>
+
 <file path=ppt/theme/theme1.xml><?xml version="1.0" encoding="utf-8"?>
 <a:theme xmlns:a="http://schemas.openxmlformats.org/drawingml/2006/main" name="Office Theme">
   <a:themeElements>
